--- a/week_1/1.9 Variables.pptx
+++ b/week_1/1.9 Variables.pptx
@@ -194,7 +194,7 @@
           <a:p>
             <a:fld id="{E2E01966-F14F-EA45-806A-07F63E4623ED}" type="datetimeFigureOut">
               <a:rPr lang="en-US" smtClean="0"/>
-              <a:t>8/15/15</a:t>
+              <a:t>8/17/15</a:t>
             </a:fld>
             <a:endParaRPr lang="en-US"/>
           </a:p>
@@ -643,7 +643,7 @@
           <a:p>
             <a:fld id="{51DC3912-A3A9-D04D-BD3B-606E389382B7}" type="datetimeFigureOut">
               <a:rPr lang="en-US" smtClean="0"/>
-              <a:t>8/15/15</a:t>
+              <a:t>8/17/15</a:t>
             </a:fld>
             <a:endParaRPr lang="en-US"/>
           </a:p>
@@ -813,7 +813,7 @@
           <a:p>
             <a:fld id="{51DC3912-A3A9-D04D-BD3B-606E389382B7}" type="datetimeFigureOut">
               <a:rPr lang="en-US" smtClean="0"/>
-              <a:t>8/15/15</a:t>
+              <a:t>8/17/15</a:t>
             </a:fld>
             <a:endParaRPr lang="en-US"/>
           </a:p>
@@ -993,7 +993,7 @@
           <a:p>
             <a:fld id="{51DC3912-A3A9-D04D-BD3B-606E389382B7}" type="datetimeFigureOut">
               <a:rPr lang="en-US" smtClean="0"/>
-              <a:t>8/15/15</a:t>
+              <a:t>8/17/15</a:t>
             </a:fld>
             <a:endParaRPr lang="en-US"/>
           </a:p>
@@ -1163,7 +1163,7 @@
           <a:p>
             <a:fld id="{51DC3912-A3A9-D04D-BD3B-606E389382B7}" type="datetimeFigureOut">
               <a:rPr lang="en-US" smtClean="0"/>
-              <a:t>8/15/15</a:t>
+              <a:t>8/17/15</a:t>
             </a:fld>
             <a:endParaRPr lang="en-US"/>
           </a:p>
@@ -1409,7 +1409,7 @@
           <a:p>
             <a:fld id="{51DC3912-A3A9-D04D-BD3B-606E389382B7}" type="datetimeFigureOut">
               <a:rPr lang="en-US" smtClean="0"/>
-              <a:t>8/15/15</a:t>
+              <a:t>8/17/15</a:t>
             </a:fld>
             <a:endParaRPr lang="en-US"/>
           </a:p>
@@ -1697,7 +1697,7 @@
           <a:p>
             <a:fld id="{51DC3912-A3A9-D04D-BD3B-606E389382B7}" type="datetimeFigureOut">
               <a:rPr lang="en-US" smtClean="0"/>
-              <a:t>8/15/15</a:t>
+              <a:t>8/17/15</a:t>
             </a:fld>
             <a:endParaRPr lang="en-US"/>
           </a:p>
@@ -2119,7 +2119,7 @@
           <a:p>
             <a:fld id="{51DC3912-A3A9-D04D-BD3B-606E389382B7}" type="datetimeFigureOut">
               <a:rPr lang="en-US" smtClean="0"/>
-              <a:t>8/15/15</a:t>
+              <a:t>8/17/15</a:t>
             </a:fld>
             <a:endParaRPr lang="en-US"/>
           </a:p>
@@ -2237,7 +2237,7 @@
           <a:p>
             <a:fld id="{51DC3912-A3A9-D04D-BD3B-606E389382B7}" type="datetimeFigureOut">
               <a:rPr lang="en-US" smtClean="0"/>
-              <a:t>8/15/15</a:t>
+              <a:t>8/17/15</a:t>
             </a:fld>
             <a:endParaRPr lang="en-US"/>
           </a:p>
@@ -2332,7 +2332,7 @@
           <a:p>
             <a:fld id="{51DC3912-A3A9-D04D-BD3B-606E389382B7}" type="datetimeFigureOut">
               <a:rPr lang="en-US" smtClean="0"/>
-              <a:t>8/15/15</a:t>
+              <a:t>8/17/15</a:t>
             </a:fld>
             <a:endParaRPr lang="en-US"/>
           </a:p>
@@ -2609,7 +2609,7 @@
           <a:p>
             <a:fld id="{51DC3912-A3A9-D04D-BD3B-606E389382B7}" type="datetimeFigureOut">
               <a:rPr lang="en-US" smtClean="0"/>
-              <a:t>8/15/15</a:t>
+              <a:t>8/17/15</a:t>
             </a:fld>
             <a:endParaRPr lang="en-US"/>
           </a:p>
@@ -2862,7 +2862,7 @@
           <a:p>
             <a:fld id="{51DC3912-A3A9-D04D-BD3B-606E389382B7}" type="datetimeFigureOut">
               <a:rPr lang="en-US" smtClean="0"/>
-              <a:t>8/15/15</a:t>
+              <a:t>8/17/15</a:t>
             </a:fld>
             <a:endParaRPr lang="en-US"/>
           </a:p>
@@ -3075,7 +3075,7 @@
           <a:p>
             <a:fld id="{51DC3912-A3A9-D04D-BD3B-606E389382B7}" type="datetimeFigureOut">
               <a:rPr lang="en-US" smtClean="0"/>
-              <a:t>8/15/15</a:t>
+              <a:t>8/17/15</a:t>
             </a:fld>
             <a:endParaRPr lang="en-US"/>
           </a:p>
@@ -3554,7 +3554,7 @@
         <p:spPr/>
         <p:txBody>
           <a:bodyPr>
-            <a:normAutofit fontScale="92500" lnSpcReduction="20000"/>
+            <a:normAutofit fontScale="77500" lnSpcReduction="20000"/>
           </a:bodyPr>
           <a:lstStyle/>
           <a:p>
@@ -3562,6 +3562,7 @@
               <a:rPr lang="en-US" dirty="0" smtClean="0"/>
               <a:t>We’ve seen that data is held in containers called objects.</a:t>
             </a:r>
+            <a:endParaRPr lang="en-US" dirty="0" smtClean="0"/>
           </a:p>
           <a:p>
             <a:r>
@@ -3594,7 +3595,18 @@
             <a:pPr lvl="1"/>
             <a:r>
               <a:rPr lang="en-US" dirty="0" smtClean="0"/>
-              <a:t>So when we type x = 5, we create a new variable, x, which becomes a name for the object, 5.</a:t>
+              <a:t>So when we type x = 5, we create a new variable, x, which becomes a name for the object, 5</a:t>
+            </a:r>
+            <a:r>
+              <a:rPr lang="en-US" dirty="0" smtClean="0"/>
+              <a:t>.</a:t>
+            </a:r>
+          </a:p>
+          <a:p>
+            <a:pPr lvl="1"/>
+            <a:r>
+              <a:rPr lang="en-US" dirty="0" smtClean="0"/>
+              <a:t>Instead of typing in the memory address, we just type x when we want to use that object.</a:t>
             </a:r>
             <a:endParaRPr lang="en-US" dirty="0"/>
           </a:p>

--- a/week_1/1.9 Variables.pptx
+++ b/week_1/1.9 Variables.pptx
@@ -194,7 +194,7 @@
           <a:p>
             <a:fld id="{E2E01966-F14F-EA45-806A-07F63E4623ED}" type="datetimeFigureOut">
               <a:rPr lang="en-US" smtClean="0"/>
-              <a:t>8/17/15</a:t>
+              <a:t>8/22/15</a:t>
             </a:fld>
             <a:endParaRPr lang="en-US"/>
           </a:p>
@@ -643,7 +643,7 @@
           <a:p>
             <a:fld id="{51DC3912-A3A9-D04D-BD3B-606E389382B7}" type="datetimeFigureOut">
               <a:rPr lang="en-US" smtClean="0"/>
-              <a:t>8/17/15</a:t>
+              <a:t>8/22/15</a:t>
             </a:fld>
             <a:endParaRPr lang="en-US"/>
           </a:p>
@@ -813,7 +813,7 @@
           <a:p>
             <a:fld id="{51DC3912-A3A9-D04D-BD3B-606E389382B7}" type="datetimeFigureOut">
               <a:rPr lang="en-US" smtClean="0"/>
-              <a:t>8/17/15</a:t>
+              <a:t>8/22/15</a:t>
             </a:fld>
             <a:endParaRPr lang="en-US"/>
           </a:p>
@@ -993,7 +993,7 @@
           <a:p>
             <a:fld id="{51DC3912-A3A9-D04D-BD3B-606E389382B7}" type="datetimeFigureOut">
               <a:rPr lang="en-US" smtClean="0"/>
-              <a:t>8/17/15</a:t>
+              <a:t>8/22/15</a:t>
             </a:fld>
             <a:endParaRPr lang="en-US"/>
           </a:p>
@@ -1163,7 +1163,7 @@
           <a:p>
             <a:fld id="{51DC3912-A3A9-D04D-BD3B-606E389382B7}" type="datetimeFigureOut">
               <a:rPr lang="en-US" smtClean="0"/>
-              <a:t>8/17/15</a:t>
+              <a:t>8/22/15</a:t>
             </a:fld>
             <a:endParaRPr lang="en-US"/>
           </a:p>
@@ -1409,7 +1409,7 @@
           <a:p>
             <a:fld id="{51DC3912-A3A9-D04D-BD3B-606E389382B7}" type="datetimeFigureOut">
               <a:rPr lang="en-US" smtClean="0"/>
-              <a:t>8/17/15</a:t>
+              <a:t>8/22/15</a:t>
             </a:fld>
             <a:endParaRPr lang="en-US"/>
           </a:p>
@@ -1697,7 +1697,7 @@
           <a:p>
             <a:fld id="{51DC3912-A3A9-D04D-BD3B-606E389382B7}" type="datetimeFigureOut">
               <a:rPr lang="en-US" smtClean="0"/>
-              <a:t>8/17/15</a:t>
+              <a:t>8/22/15</a:t>
             </a:fld>
             <a:endParaRPr lang="en-US"/>
           </a:p>
@@ -2119,7 +2119,7 @@
           <a:p>
             <a:fld id="{51DC3912-A3A9-D04D-BD3B-606E389382B7}" type="datetimeFigureOut">
               <a:rPr lang="en-US" smtClean="0"/>
-              <a:t>8/17/15</a:t>
+              <a:t>8/22/15</a:t>
             </a:fld>
             <a:endParaRPr lang="en-US"/>
           </a:p>
@@ -2237,7 +2237,7 @@
           <a:p>
             <a:fld id="{51DC3912-A3A9-D04D-BD3B-606E389382B7}" type="datetimeFigureOut">
               <a:rPr lang="en-US" smtClean="0"/>
-              <a:t>8/17/15</a:t>
+              <a:t>8/22/15</a:t>
             </a:fld>
             <a:endParaRPr lang="en-US"/>
           </a:p>
@@ -2332,7 +2332,7 @@
           <a:p>
             <a:fld id="{51DC3912-A3A9-D04D-BD3B-606E389382B7}" type="datetimeFigureOut">
               <a:rPr lang="en-US" smtClean="0"/>
-              <a:t>8/17/15</a:t>
+              <a:t>8/22/15</a:t>
             </a:fld>
             <a:endParaRPr lang="en-US"/>
           </a:p>
@@ -2609,7 +2609,7 @@
           <a:p>
             <a:fld id="{51DC3912-A3A9-D04D-BD3B-606E389382B7}" type="datetimeFigureOut">
               <a:rPr lang="en-US" smtClean="0"/>
-              <a:t>8/17/15</a:t>
+              <a:t>8/22/15</a:t>
             </a:fld>
             <a:endParaRPr lang="en-US"/>
           </a:p>
@@ -2862,7 +2862,7 @@
           <a:p>
             <a:fld id="{51DC3912-A3A9-D04D-BD3B-606E389382B7}" type="datetimeFigureOut">
               <a:rPr lang="en-US" smtClean="0"/>
-              <a:t>8/17/15</a:t>
+              <a:t>8/22/15</a:t>
             </a:fld>
             <a:endParaRPr lang="en-US"/>
           </a:p>
@@ -3075,7 +3075,7 @@
           <a:p>
             <a:fld id="{51DC3912-A3A9-D04D-BD3B-606E389382B7}" type="datetimeFigureOut">
               <a:rPr lang="en-US" smtClean="0"/>
-              <a:t>8/17/15</a:t>
+              <a:t>8/22/15</a:t>
             </a:fld>
             <a:endParaRPr lang="en-US"/>
           </a:p>
@@ -3537,7 +3537,11 @@
           <a:bodyPr/>
           <a:lstStyle/>
           <a:p>
-            <a:endParaRPr lang="en-US"/>
+            <a:r>
+              <a:rPr lang="en-US" dirty="0" smtClean="0"/>
+              <a:t>Accessing containers</a:t>
+            </a:r>
+            <a:endParaRPr lang="en-US" dirty="0"/>
           </a:p>
         </p:txBody>
       </p:sp>
@@ -3562,7 +3566,6 @@
               <a:rPr lang="en-US" dirty="0" smtClean="0"/>
               <a:t>We’ve seen that data is held in containers called objects.</a:t>
             </a:r>
-            <a:endParaRPr lang="en-US" dirty="0" smtClean="0"/>
           </a:p>
           <a:p>
             <a:r>
@@ -3595,11 +3598,7 @@
             <a:pPr lvl="1"/>
             <a:r>
               <a:rPr lang="en-US" dirty="0" smtClean="0"/>
-              <a:t>So when we type x = 5, we create a new variable, x, which becomes a name for the object, 5</a:t>
-            </a:r>
-            <a:r>
-              <a:rPr lang="en-US" dirty="0" smtClean="0"/>
-              <a:t>.</a:t>
+              <a:t>So when we type x = 5, we create a new variable, x, which becomes a name for the object, 5.</a:t>
             </a:r>
           </a:p>
           <a:p>
@@ -3778,7 +3777,7 @@
         </p:nvSpPr>
         <p:spPr>
           <a:xfrm>
-            <a:off x="3894052" y="1363168"/>
+            <a:off x="3894052" y="1258309"/>
             <a:ext cx="4774875" cy="3030880"/>
           </a:xfrm>
           <a:prstGeom prst="rect">
@@ -3818,7 +3817,7 @@
         </p:nvSpPr>
         <p:spPr>
           <a:xfrm>
-            <a:off x="4863012" y="1987447"/>
+            <a:off x="4863012" y="1882588"/>
             <a:ext cx="546631" cy="466175"/>
           </a:xfrm>
           <a:prstGeom prst="rect">
@@ -3859,7 +3858,7 @@
         </p:nvSpPr>
         <p:spPr>
           <a:xfrm>
-            <a:off x="4075224" y="3384966"/>
+            <a:off x="4075224" y="3280107"/>
             <a:ext cx="2411606" cy="535405"/>
           </a:xfrm>
           <a:prstGeom prst="rect">
@@ -3904,7 +3903,7 @@
         </p:nvSpPr>
         <p:spPr>
           <a:xfrm>
-            <a:off x="4075224" y="2489560"/>
+            <a:off x="4075224" y="2384701"/>
             <a:ext cx="546631" cy="466175"/>
           </a:xfrm>
           <a:prstGeom prst="rect">
@@ -3946,7 +3945,7 @@
         </p:nvSpPr>
         <p:spPr>
           <a:xfrm>
-            <a:off x="5281024" y="2472586"/>
+            <a:off x="5281024" y="2367727"/>
             <a:ext cx="441146" cy="369332"/>
           </a:xfrm>
           <a:prstGeom prst="rect">
@@ -3979,7 +3978,7 @@
         </p:nvCxnSpPr>
         <p:spPr>
           <a:xfrm rot="16200000" flipH="1">
-            <a:off x="5106861" y="2483089"/>
+            <a:off x="5106861" y="2378230"/>
             <a:ext cx="203630" cy="144696"/>
           </a:xfrm>
           <a:prstGeom prst="bentConnector2">
@@ -4009,7 +4008,7 @@
         </p:nvSpPr>
         <p:spPr>
           <a:xfrm>
-            <a:off x="4491271" y="2945322"/>
+            <a:off x="4491271" y="2840463"/>
             <a:ext cx="441146" cy="369332"/>
           </a:xfrm>
           <a:prstGeom prst="rect">
@@ -4042,7 +4041,7 @@
         </p:nvCxnSpPr>
         <p:spPr>
           <a:xfrm rot="16200000" flipH="1">
-            <a:off x="4332779" y="2971495"/>
+            <a:off x="4332779" y="2866636"/>
             <a:ext cx="174253" cy="142731"/>
           </a:xfrm>
           <a:prstGeom prst="bentConnector2">
@@ -4072,7 +4071,7 @@
         </p:nvSpPr>
         <p:spPr>
           <a:xfrm>
-            <a:off x="5519949" y="3956270"/>
+            <a:off x="5519949" y="3851411"/>
             <a:ext cx="966881" cy="369332"/>
           </a:xfrm>
           <a:prstGeom prst="rect">
@@ -4105,7 +4104,7 @@
         </p:nvCxnSpPr>
         <p:spPr>
           <a:xfrm rot="16200000" flipH="1">
-            <a:off x="5290206" y="3911192"/>
+            <a:off x="5290206" y="3806333"/>
             <a:ext cx="220565" cy="238922"/>
           </a:xfrm>
           <a:prstGeom prst="bentConnector2">
@@ -4135,7 +4134,7 @@
         </p:nvSpPr>
         <p:spPr>
           <a:xfrm>
-            <a:off x="8136047" y="3966337"/>
+            <a:off x="8136047" y="3861478"/>
             <a:ext cx="474672" cy="369332"/>
           </a:xfrm>
           <a:prstGeom prst="rect">
@@ -4168,7 +4167,7 @@
         </p:nvCxnSpPr>
         <p:spPr>
           <a:xfrm rot="16200000" flipH="1">
-            <a:off x="7729871" y="3744826"/>
+            <a:off x="7729871" y="3639967"/>
             <a:ext cx="238553" cy="573799"/>
           </a:xfrm>
           <a:prstGeom prst="bentConnector2">
@@ -4212,7 +4211,7 @@
         </p:blipFill>
         <p:spPr>
           <a:xfrm>
-            <a:off x="6673009" y="1440366"/>
+            <a:off x="6673009" y="1335507"/>
             <a:ext cx="1778478" cy="2472084"/>
           </a:xfrm>
           <a:prstGeom prst="rect">
@@ -4228,7 +4227,7 @@
         </p:nvSpPr>
         <p:spPr>
           <a:xfrm>
-            <a:off x="807896" y="1363169"/>
+            <a:off x="807896" y="1258310"/>
             <a:ext cx="2484956" cy="3030880"/>
           </a:xfrm>
           <a:prstGeom prst="rect">
@@ -4268,7 +4267,7 @@
         </p:nvSpPr>
         <p:spPr>
           <a:xfrm>
-            <a:off x="1228834" y="1993610"/>
+            <a:off x="1228834" y="1888751"/>
             <a:ext cx="1549539" cy="466175"/>
           </a:xfrm>
           <a:prstGeom prst="rect">
@@ -4310,7 +4309,7 @@
         </p:nvSpPr>
         <p:spPr>
           <a:xfrm>
-            <a:off x="1228834" y="2606196"/>
+            <a:off x="1228834" y="2501337"/>
             <a:ext cx="1549539" cy="466175"/>
           </a:xfrm>
           <a:prstGeom prst="rect">
@@ -4352,7 +4351,7 @@
         </p:nvSpPr>
         <p:spPr>
           <a:xfrm>
-            <a:off x="1228834" y="3792115"/>
+            <a:off x="1228834" y="3687256"/>
             <a:ext cx="1549539" cy="466175"/>
           </a:xfrm>
           <a:prstGeom prst="rect">
@@ -4396,7 +4395,7 @@
         </p:nvCxnSpPr>
         <p:spPr>
           <a:xfrm>
-            <a:off x="2778373" y="2226698"/>
+            <a:off x="2778373" y="2121839"/>
             <a:ext cx="2084639" cy="0"/>
           </a:xfrm>
           <a:prstGeom prst="straightConnector1">
@@ -4435,7 +4434,7 @@
         </p:nvCxnSpPr>
         <p:spPr>
           <a:xfrm flipV="1">
-            <a:off x="2778373" y="2722648"/>
+            <a:off x="2778373" y="2617789"/>
             <a:ext cx="1296851" cy="116636"/>
           </a:xfrm>
           <a:prstGeom prst="straightConnector1">
@@ -4474,7 +4473,7 @@
         </p:nvCxnSpPr>
         <p:spPr>
           <a:xfrm flipV="1">
-            <a:off x="2778373" y="3652669"/>
+            <a:off x="2778373" y="3547810"/>
             <a:ext cx="1296851" cy="372534"/>
           </a:xfrm>
           <a:prstGeom prst="straightConnector1">
@@ -4510,7 +4509,7 @@
         </p:nvSpPr>
         <p:spPr>
           <a:xfrm>
-            <a:off x="1228834" y="3206554"/>
+            <a:off x="1228834" y="3101695"/>
             <a:ext cx="1549539" cy="466175"/>
           </a:xfrm>
           <a:prstGeom prst="rect">
@@ -4559,7 +4558,7 @@
         </p:nvCxnSpPr>
         <p:spPr>
           <a:xfrm flipV="1">
-            <a:off x="2778373" y="2722648"/>
+            <a:off x="2778373" y="2617789"/>
             <a:ext cx="1296851" cy="716994"/>
           </a:xfrm>
           <a:prstGeom prst="straightConnector1">
